--- a/_site/content/Week13/lecture.pptx
+++ b/_site/content/Week13/lecture.pptx
@@ -4983,7 +4983,7 @@
             </a:pPr>
             <a:r>
               <a:rPr/>
-              <a:t>January 8, 2024</a:t>
+              <a:t>January 22, 2024</a:t>
             </a:r>
           </a:p>
         </p:txBody>
